--- a/docs/Lectures/Week14/Week14.pptx
+++ b/docs/Lectures/Week14/Week14.pptx
@@ -5,10 +5,10 @@
     <p:sldMasterId id="2147483685" r:id="rId1"/>
   </p:sldMasterIdLst>
   <p:notesMasterIdLst>
-    <p:notesMasterId r:id="rId14"/>
+    <p:notesMasterId r:id="rId13"/>
   </p:notesMasterIdLst>
   <p:handoutMasterIdLst>
-    <p:handoutMasterId r:id="rId15"/>
+    <p:handoutMasterId r:id="rId14"/>
   </p:handoutMasterIdLst>
   <p:sldIdLst>
     <p:sldId id="256" r:id="rId2"/>
@@ -16,13 +16,12 @@
     <p:sldId id="353" r:id="rId4"/>
     <p:sldId id="363" r:id="rId5"/>
     <p:sldId id="364" r:id="rId6"/>
-    <p:sldId id="354" r:id="rId7"/>
-    <p:sldId id="355" r:id="rId8"/>
-    <p:sldId id="362" r:id="rId9"/>
-    <p:sldId id="361" r:id="rId10"/>
-    <p:sldId id="358" r:id="rId11"/>
+    <p:sldId id="355" r:id="rId7"/>
+    <p:sldId id="354" r:id="rId8"/>
+    <p:sldId id="361" r:id="rId9"/>
+    <p:sldId id="358" r:id="rId10"/>
+    <p:sldId id="365" r:id="rId11"/>
     <p:sldId id="359" r:id="rId12"/>
-    <p:sldId id="360" r:id="rId13"/>
   </p:sldIdLst>
   <p:sldSz cx="12192000" cy="6858000"/>
   <p:notesSz cx="6858000" cy="9144000"/>
@@ -4800,7 +4799,7 @@
           <p:cNvPr id="2" name="Title 1">
             <a:extLst>
               <a:ext uri="{FF2B5EF4-FFF2-40B4-BE49-F238E27FC236}">
-                <a16:creationId xmlns:a16="http://schemas.microsoft.com/office/drawing/2014/main" id="{EDE204AA-8346-A99E-44CD-A64CCEA057B9}"/>
+                <a16:creationId xmlns:a16="http://schemas.microsoft.com/office/drawing/2014/main" id="{C7BDED18-FEDC-5281-2A65-068E1D7D5839}"/>
               </a:ext>
             </a:extLst>
           </p:cNvPr>
@@ -4814,7 +4813,7 @@
         <p:spPr>
           <a:xfrm>
             <a:off x="581192" y="702156"/>
-            <a:ext cx="11029616" cy="532284"/>
+            <a:ext cx="11029616" cy="578004"/>
           </a:xfrm>
         </p:spPr>
         <p:txBody>
@@ -4823,103 +4822,181 @@
           <a:p>
             <a:r>
               <a:rPr lang="en-US" altLang="zh-CN" dirty="0"/>
-              <a:t>Web serve</a:t>
+              <a:t>Leaflet &amp; </a:t>
+            </a:r>
+            <a:r>
+              <a:rPr lang="en-US" altLang="zh-CN" dirty="0" err="1"/>
+              <a:t>pg_tileserv</a:t>
             </a:r>
             <a:endParaRPr lang="zh-CN" altLang="en-US" dirty="0"/>
           </a:p>
         </p:txBody>
       </p:sp>
-      <p:pic>
-        <p:nvPicPr>
-          <p:cNvPr id="5" name="Content Placeholder 4">
+      <p:sp>
+        <p:nvSpPr>
+          <p:cNvPr id="3" name="Content Placeholder 2">
             <a:extLst>
               <a:ext uri="{FF2B5EF4-FFF2-40B4-BE49-F238E27FC236}">
-                <a16:creationId xmlns:a16="http://schemas.microsoft.com/office/drawing/2014/main" id="{A7437865-7672-3508-14C6-72BFA0D3B680}"/>
+                <a16:creationId xmlns:a16="http://schemas.microsoft.com/office/drawing/2014/main" id="{A20869F5-1FDF-E600-E057-66736C19FE05}"/>
               </a:ext>
             </a:extLst>
           </p:cNvPr>
-          <p:cNvPicPr>
-            <a:picLocks noGrp="1" noChangeAspect="1"/>
-          </p:cNvPicPr>
+          <p:cNvSpPr>
+            <a:spLocks noGrp="1"/>
+          </p:cNvSpPr>
           <p:nvPr>
             <p:ph idx="1"/>
           </p:nvPr>
-        </p:nvPicPr>
-        <p:blipFill>
-          <a:blip r:embed="rId2"/>
-          <a:stretch>
-            <a:fillRect/>
-          </a:stretch>
-        </p:blipFill>
-        <p:spPr>
-          <a:xfrm>
-            <a:off x="580858" y="1234440"/>
-            <a:ext cx="11029950" cy="2987837"/>
-          </a:xfrm>
-        </p:spPr>
-      </p:pic>
-      <p:sp>
-        <p:nvSpPr>
-          <p:cNvPr id="7" name="TextBox 6">
-            <a:extLst>
-              <a:ext uri="{FF2B5EF4-FFF2-40B4-BE49-F238E27FC236}">
-                <a16:creationId xmlns:a16="http://schemas.microsoft.com/office/drawing/2014/main" id="{3FD7AB1B-03E5-8390-B93C-940B50753011}"/>
-              </a:ext>
-            </a:extLst>
-          </p:cNvPr>
-          <p:cNvSpPr txBox="1"/>
-          <p:nvPr/>
-        </p:nvSpPr>
-        <p:spPr>
-          <a:xfrm>
-            <a:off x="516850" y="4431395"/>
-            <a:ext cx="6094476" cy="723275"/>
-          </a:xfrm>
-          <a:prstGeom prst="rect">
-            <a:avLst/>
-          </a:prstGeom>
-          <a:noFill/>
-        </p:spPr>
-        <p:txBody>
-          <a:bodyPr wrap="square">
-            <a:spAutoFit/>
+        </p:nvSpPr>
+        <p:spPr>
+          <a:xfrm>
+            <a:off x="581193" y="1481328"/>
+            <a:ext cx="11029615" cy="4674516"/>
+          </a:xfrm>
+        </p:spPr>
+        <p:txBody>
+          <a:bodyPr>
+            <a:noAutofit/>
           </a:bodyPr>
           <a:lstStyle/>
           <a:p>
-            <a:pPr marL="306000" indent="-306000">
-              <a:spcBef>
-                <a:spcPct val="20000"/>
-              </a:spcBef>
-              <a:spcAft>
-                <a:spcPts val="600"/>
-              </a:spcAft>
-              <a:buClr>
-                <a:schemeClr val="accent1"/>
-              </a:buClr>
-              <a:buSzPct val="92000"/>
-              <a:buFont typeface="Wingdings 2" panose="05020102010507070707" pitchFamily="18" charset="2"/>
-              <a:buChar char=""/>
+            <a:r>
+              <a:rPr lang="en-US" altLang="zh-CN" sz="2000" dirty="0">
+                <a:hlinkClick r:id="rId2">
+                  <a:extLst>
+                    <a:ext uri="{A12FA001-AC4F-418D-AE19-62706E023703}">
+                      <ahyp:hlinkClr xmlns:ahyp="http://schemas.microsoft.com/office/drawing/2018/hyperlinkcolor" val="tx"/>
+                    </a:ext>
+                  </a:extLst>
+                </a:hlinkClick>
+              </a:rPr>
+              <a:t>Leaflet</a:t>
+            </a:r>
+            <a:r>
+              <a:rPr lang="en-US" altLang="zh-CN" sz="2000" dirty="0"/>
+              <a:t> is a lightweight, open-source JavaScript library for building interactive maps in web browsers.</a:t>
+            </a:r>
+          </a:p>
+          <a:p>
+            <a:pPr marL="666900" lvl="1" indent="-342900">
+              <a:buFont typeface="+mj-lt"/>
+              <a:buAutoNum type="alphaLcPeriod"/>
             </a:pPr>
             <a:r>
-              <a:rPr lang="en-US" altLang="zh-CN" dirty="0"/>
-              <a:t>Host boroughs table (shapefile) in ch11 online</a:t>
-            </a:r>
-          </a:p>
-          <a:p>
-            <a:pPr marL="0" indent="0">
-              <a:buNone/>
+              <a:rPr lang="en-US" altLang="zh-CN" sz="2000" dirty="0"/>
+              <a:t>Simple and fast to use</a:t>
+            </a:r>
+          </a:p>
+          <a:p>
+            <a:pPr marL="666900" lvl="1" indent="-342900">
+              <a:buFont typeface="+mj-lt"/>
+              <a:buAutoNum type="alphaLcPeriod"/>
             </a:pPr>
             <a:r>
-              <a:rPr lang="en-US" altLang="zh-CN" dirty="0"/>
-              <a:t>http://localhost:7800/ch11.boroughs.html</a:t>
-            </a:r>
+              <a:rPr lang="en-US" altLang="zh-CN" sz="2000" dirty="0"/>
+              <a:t>Easily supports tile layers, markers, popups, etc.</a:t>
+            </a:r>
+          </a:p>
+          <a:p>
+            <a:pPr marL="666900" lvl="1" indent="-342900">
+              <a:buFont typeface="+mj-lt"/>
+              <a:buAutoNum type="alphaLcPeriod"/>
+            </a:pPr>
+            <a:r>
+              <a:rPr lang="en-US" altLang="zh-CN" sz="2000" dirty="0"/>
+              <a:t>Works well with OpenStreetMap, custom tiles, and </a:t>
+            </a:r>
+            <a:r>
+              <a:rPr lang="en-US" altLang="zh-CN" sz="2000" dirty="0" err="1"/>
+              <a:t>GeoJSON</a:t>
+            </a:r>
+            <a:endParaRPr lang="en-US" altLang="zh-CN" sz="2000" dirty="0"/>
+          </a:p>
+          <a:p>
+            <a:r>
+              <a:rPr lang="en-US" altLang="zh-CN" sz="2000" dirty="0"/>
+              <a:t>You can use Leaflet + </a:t>
+            </a:r>
+            <a:r>
+              <a:rPr lang="en-US" altLang="zh-CN" sz="2000" dirty="0" err="1"/>
+              <a:t>pg_tileserv</a:t>
+            </a:r>
+            <a:r>
+              <a:rPr lang="en-US" altLang="zh-CN" sz="2000" dirty="0"/>
+              <a:t> to:</a:t>
+            </a:r>
+          </a:p>
+          <a:p>
+            <a:pPr marL="666900" lvl="1" indent="-342900">
+              <a:buFont typeface="+mj-lt"/>
+              <a:buAutoNum type="alphaLcPeriod"/>
+            </a:pPr>
+            <a:r>
+              <a:rPr lang="en-US" altLang="zh-CN" sz="2000" dirty="0"/>
+              <a:t>Create a </a:t>
+            </a:r>
+            <a:r>
+              <a:rPr lang="en-US" altLang="zh-CN" sz="2000" dirty="0" err="1"/>
+              <a:t>PostGIS</a:t>
+            </a:r>
+            <a:r>
+              <a:rPr lang="en-US" altLang="zh-CN" sz="2000" dirty="0"/>
+              <a:t> table with geometry (e.g., points, lines, polygons)</a:t>
+            </a:r>
+          </a:p>
+          <a:p>
+            <a:pPr marL="666900" lvl="1" indent="-342900">
+              <a:buFont typeface="+mj-lt"/>
+              <a:buAutoNum type="alphaLcPeriod"/>
+            </a:pPr>
+            <a:r>
+              <a:rPr lang="en-US" altLang="zh-CN" sz="2000" dirty="0"/>
+              <a:t>Run </a:t>
+            </a:r>
+            <a:r>
+              <a:rPr lang="en-US" altLang="zh-CN" sz="2000" dirty="0" err="1"/>
+              <a:t>pg_tileserv</a:t>
+            </a:r>
+            <a:r>
+              <a:rPr lang="en-US" altLang="zh-CN" sz="2000" dirty="0"/>
+              <a:t> to expose that data as vector tile URLs</a:t>
+            </a:r>
+          </a:p>
+          <a:p>
+            <a:pPr marL="666900" lvl="1" indent="-342900">
+              <a:buFont typeface="+mj-lt"/>
+              <a:buAutoNum type="alphaLcPeriod"/>
+            </a:pPr>
+            <a:r>
+              <a:rPr lang="en-US" altLang="zh-CN" sz="2000" dirty="0"/>
+              <a:t>Use Leaflet + </a:t>
+            </a:r>
+            <a:r>
+              <a:rPr lang="en-US" altLang="zh-CN" sz="2000" dirty="0" err="1"/>
+              <a:t>VectorGrid</a:t>
+            </a:r>
+            <a:r>
+              <a:rPr lang="en-US" altLang="zh-CN" sz="2000" dirty="0"/>
+              <a:t> plugin to display those tiles in a web map</a:t>
+            </a:r>
+          </a:p>
+          <a:p>
+            <a:pPr marL="666900" lvl="1" indent="-342900">
+              <a:buFont typeface="+mj-lt"/>
+              <a:buAutoNum type="alphaLcPeriod"/>
+            </a:pPr>
+            <a:r>
+              <a:rPr lang="en-US" altLang="zh-CN" sz="2000" dirty="0"/>
+              <a:t>Add popups, click events, and hover effects for interactivity</a:t>
+            </a:r>
+            <a:endParaRPr lang="zh-CN" altLang="en-US" sz="2000" dirty="0"/>
           </a:p>
         </p:txBody>
       </p:sp>
     </p:spTree>
     <p:extLst>
       <p:ext uri="{BB962C8B-B14F-4D97-AF65-F5344CB8AC3E}">
-        <p14:creationId xmlns:p14="http://schemas.microsoft.com/office/powerpoint/2010/main" val="3728428466"/>
+        <p14:creationId xmlns:p14="http://schemas.microsoft.com/office/powerpoint/2010/main" val="3206078837"/>
       </p:ext>
     </p:extLst>
   </p:cSld>
@@ -4962,37 +5039,186 @@
             <p:ph type="title"/>
           </p:nvPr>
         </p:nvSpPr>
-        <p:spPr/>
+        <p:spPr>
+          <a:xfrm>
+            <a:off x="581192" y="702156"/>
+            <a:ext cx="11029616" cy="568379"/>
+          </a:xfrm>
+        </p:spPr>
         <p:txBody>
           <a:bodyPr/>
           <a:lstStyle/>
           <a:p>
-            <a:endParaRPr lang="zh-CN" altLang="en-US"/>
-          </a:p>
-        </p:txBody>
-      </p:sp>
-      <p:sp>
-        <p:nvSpPr>
-          <p:cNvPr id="3" name="Content Placeholder 2">
+            <a:r>
+              <a:rPr lang="en-US" altLang="zh-CN" dirty="0"/>
+              <a:t>example - leaflet</a:t>
+            </a:r>
+            <a:endParaRPr lang="zh-CN" altLang="en-US" dirty="0"/>
+          </a:p>
+        </p:txBody>
+      </p:sp>
+      <p:sp>
+        <p:nvSpPr>
+          <p:cNvPr id="4" name="Rectangle 1">
             <a:extLst>
               <a:ext uri="{FF2B5EF4-FFF2-40B4-BE49-F238E27FC236}">
-                <a16:creationId xmlns:a16="http://schemas.microsoft.com/office/drawing/2014/main" id="{7453C858-D011-B86E-E73E-853410AEB60D}"/>
+                <a16:creationId xmlns:a16="http://schemas.microsoft.com/office/drawing/2014/main" id="{0C516462-C08E-D550-33D3-5526CF432116}"/>
               </a:ext>
             </a:extLst>
           </p:cNvPr>
           <p:cNvSpPr>
-            <a:spLocks noGrp="1"/>
+            <a:spLocks noGrp="1" noChangeArrowheads="1"/>
           </p:cNvSpPr>
           <p:nvPr>
             <p:ph idx="1"/>
           </p:nvPr>
         </p:nvSpPr>
-        <p:spPr/>
-        <p:txBody>
-          <a:bodyPr/>
+        <p:spPr bwMode="auto">
+          <a:xfrm>
+            <a:off x="581192" y="1445364"/>
+            <a:ext cx="10839664" cy="1895904"/>
+          </a:xfrm>
+          <a:prstGeom prst="rect">
+            <a:avLst/>
+          </a:prstGeom>
+          <a:noFill/>
+          <a:ln>
+            <a:noFill/>
+          </a:ln>
+          <a:effectLst/>
+          <a:extLst>
+            <a:ext uri="{909E8E84-426E-40DD-AFC4-6F175D3DCCD1}">
+              <a14:hiddenFill xmlns:a14="http://schemas.microsoft.com/office/drawing/2010/main">
+                <a:solidFill>
+                  <a:schemeClr val="accent1"/>
+                </a:solidFill>
+              </a14:hiddenFill>
+            </a:ext>
+            <a:ext uri="{91240B29-F687-4F45-9708-019B960494DF}">
+              <a14:hiddenLine xmlns:a14="http://schemas.microsoft.com/office/drawing/2010/main" w="9525">
+                <a:solidFill>
+                  <a:schemeClr val="tx1"/>
+                </a:solidFill>
+                <a:miter lim="800000"/>
+                <a:headEnd/>
+                <a:tailEnd/>
+              </a14:hiddenLine>
+            </a:ext>
+            <a:ext uri="{AF507438-7753-43E0-B8FC-AC1667EBCBE1}">
+              <a14:hiddenEffects xmlns:a14="http://schemas.microsoft.com/office/drawing/2010/main">
+                <a:effectLst>
+                  <a:outerShdw dist="35921" dir="2700000" algn="ctr" rotWithShape="0">
+                    <a:schemeClr val="bg2"/>
+                  </a:outerShdw>
+                </a:effectLst>
+              </a14:hiddenEffects>
+            </a:ext>
+          </a:extLst>
+        </p:spPr>
+        <p:txBody>
+          <a:bodyPr vert="horz" wrap="square" lIns="91440" tIns="45720" rIns="91440" bIns="45720" numCol="1" anchor="ctr" anchorCtr="0" compatLnSpc="1">
+            <a:prstTxWarp prst="textNoShape">
+              <a:avLst/>
+            </a:prstTxWarp>
+            <a:spAutoFit/>
+          </a:bodyPr>
           <a:lstStyle/>
           <a:p>
-            <a:endParaRPr lang="zh-CN" altLang="en-US"/>
+            <a:pPr marR="0" lvl="0" fontAlgn="base">
+              <a:lnSpc>
+                <a:spcPct val="100000"/>
+              </a:lnSpc>
+              <a:tabLst/>
+            </a:pPr>
+            <a:r>
+              <a:rPr lang="zh-CN" altLang="zh-CN" dirty="0">
+                <a:solidFill>
+                  <a:schemeClr val="tx1"/>
+                </a:solidFill>
+              </a:rPr>
+              <a:t>Understand What You Have</a:t>
+            </a:r>
+          </a:p>
+          <a:p>
+            <a:pPr marL="666900" lvl="1" indent="-342900" fontAlgn="base">
+              <a:buFont typeface="+mj-lt"/>
+              <a:buAutoNum type="alphaLcPeriod"/>
+            </a:pPr>
+            <a:r>
+              <a:rPr lang="zh-CN" altLang="zh-CN" dirty="0">
+                <a:solidFill>
+                  <a:schemeClr val="tx1"/>
+                </a:solidFill>
+              </a:rPr>
+              <a:t>The JSON in your image defines a vector tile layer hosted locally by </a:t>
+            </a:r>
+            <a:r>
+              <a:rPr lang="zh-CN" altLang="zh-CN" dirty="0">
+                <a:solidFill>
+                  <a:schemeClr val="tx1"/>
+                </a:solidFill>
+                <a:hlinkClick r:id="rId2">
+                  <a:extLst>
+                    <a:ext uri="{A12FA001-AC4F-418D-AE19-62706E023703}">
+                      <ahyp:hlinkClr xmlns:ahyp="http://schemas.microsoft.com/office/drawing/2018/hyperlinkcolor" val="tx"/>
+                    </a:ext>
+                  </a:extLst>
+                </a:hlinkClick>
+              </a:rPr>
+              <a:t>pg_tileserv</a:t>
+            </a:r>
+            <a:r>
+              <a:rPr lang="zh-CN" altLang="zh-CN" dirty="0">
+                <a:solidFill>
+                  <a:schemeClr val="tx1"/>
+                </a:solidFill>
+              </a:rPr>
+              <a:t>. The tileurl points to:</a:t>
+            </a:r>
+            <a:endParaRPr lang="en-US" altLang="zh-CN" dirty="0">
+              <a:solidFill>
+                <a:schemeClr val="tx1"/>
+              </a:solidFill>
+            </a:endParaRPr>
+          </a:p>
+          <a:p>
+            <a:pPr marL="324000" lvl="1" indent="0" fontAlgn="base">
+              <a:buNone/>
+            </a:pPr>
+            <a:r>
+              <a:rPr lang="en-US" altLang="zh-CN" i="1" dirty="0">
+                <a:solidFill>
+                  <a:schemeClr val="tx1"/>
+                </a:solidFill>
+              </a:rPr>
+              <a:t>http://localhost:7800/ch11.boroughs/{z}/{x}/{y}.pbf</a:t>
+            </a:r>
+          </a:p>
+          <a:p>
+            <a:pPr marL="324000" lvl="1" indent="0" fontAlgn="base">
+              <a:buNone/>
+            </a:pPr>
+            <a:endParaRPr lang="zh-CN" altLang="zh-CN" dirty="0">
+              <a:solidFill>
+                <a:schemeClr val="tx1"/>
+              </a:solidFill>
+            </a:endParaRPr>
+          </a:p>
+          <a:p>
+            <a:pPr fontAlgn="base"/>
+            <a:r>
+              <a:rPr lang="en-US" altLang="zh-CN" dirty="0">
+                <a:solidFill>
+                  <a:schemeClr val="tx1"/>
+                </a:solidFill>
+              </a:rPr>
+              <a:t>Get HTML template</a:t>
+            </a:r>
+            <a:endParaRPr lang="zh-CN" altLang="zh-CN" dirty="0">
+              <a:solidFill>
+                <a:schemeClr val="tx1"/>
+              </a:solidFill>
+            </a:endParaRPr>
           </a:p>
         </p:txBody>
       </p:sp>
@@ -5000,86 +5226,6 @@
     <p:extLst>
       <p:ext uri="{BB962C8B-B14F-4D97-AF65-F5344CB8AC3E}">
         <p14:creationId xmlns:p14="http://schemas.microsoft.com/office/powerpoint/2010/main" val="3664486143"/>
-      </p:ext>
-    </p:extLst>
-  </p:cSld>
-  <p:clrMapOvr>
-    <a:masterClrMapping/>
-  </p:clrMapOvr>
-</p:sld>
-</file>
-
-<file path=ppt/slides/slide12.xml><?xml version="1.0" encoding="utf-8"?>
-<p:sld xmlns:a="http://schemas.openxmlformats.org/drawingml/2006/main" xmlns:r="http://schemas.openxmlformats.org/officeDocument/2006/relationships" xmlns:p="http://schemas.openxmlformats.org/presentationml/2006/main">
-  <p:cSld>
-    <p:spTree>
-      <p:nvGrpSpPr>
-        <p:cNvPr id="1" name=""/>
-        <p:cNvGrpSpPr/>
-        <p:nvPr/>
-      </p:nvGrpSpPr>
-      <p:grpSpPr>
-        <a:xfrm>
-          <a:off x="0" y="0"/>
-          <a:ext cx="0" cy="0"/>
-          <a:chOff x="0" y="0"/>
-          <a:chExt cx="0" cy="0"/>
-        </a:xfrm>
-      </p:grpSpPr>
-      <p:sp>
-        <p:nvSpPr>
-          <p:cNvPr id="2" name="Title 1">
-            <a:extLst>
-              <a:ext uri="{FF2B5EF4-FFF2-40B4-BE49-F238E27FC236}">
-                <a16:creationId xmlns:a16="http://schemas.microsoft.com/office/drawing/2014/main" id="{033FE474-7B7F-6BB5-D62A-F17FF2D1B283}"/>
-              </a:ext>
-            </a:extLst>
-          </p:cNvPr>
-          <p:cNvSpPr>
-            <a:spLocks noGrp="1"/>
-          </p:cNvSpPr>
-          <p:nvPr>
-            <p:ph type="title"/>
-          </p:nvPr>
-        </p:nvSpPr>
-        <p:spPr/>
-        <p:txBody>
-          <a:bodyPr/>
-          <a:lstStyle/>
-          <a:p>
-            <a:endParaRPr lang="zh-CN" altLang="en-US"/>
-          </a:p>
-        </p:txBody>
-      </p:sp>
-      <p:sp>
-        <p:nvSpPr>
-          <p:cNvPr id="3" name="Content Placeholder 2">
-            <a:extLst>
-              <a:ext uri="{FF2B5EF4-FFF2-40B4-BE49-F238E27FC236}">
-                <a16:creationId xmlns:a16="http://schemas.microsoft.com/office/drawing/2014/main" id="{A4B88CDD-8BCE-4702-3F7D-D683DD24A2AB}"/>
-              </a:ext>
-            </a:extLst>
-          </p:cNvPr>
-          <p:cNvSpPr>
-            <a:spLocks noGrp="1"/>
-          </p:cNvSpPr>
-          <p:nvPr>
-            <p:ph idx="1"/>
-          </p:nvPr>
-        </p:nvSpPr>
-        <p:spPr/>
-        <p:txBody>
-          <a:bodyPr/>
-          <a:lstStyle/>
-          <a:p>
-            <a:endParaRPr lang="zh-CN" altLang="en-US"/>
-          </a:p>
-        </p:txBody>
-      </p:sp>
-    </p:spTree>
-    <p:extLst>
-      <p:ext uri="{BB962C8B-B14F-4D97-AF65-F5344CB8AC3E}">
-        <p14:creationId xmlns:p14="http://schemas.microsoft.com/office/powerpoint/2010/main" val="560018045"/>
       </p:ext>
     </p:extLst>
   </p:cSld>
@@ -6307,7 +6453,12 @@
             <p:ph type="title"/>
           </p:nvPr>
         </p:nvSpPr>
-        <p:spPr/>
+        <p:spPr>
+          <a:xfrm>
+            <a:off x="581192" y="702156"/>
+            <a:ext cx="11029616" cy="596292"/>
+          </a:xfrm>
+        </p:spPr>
         <p:txBody>
           <a:bodyPr/>
           <a:lstStyle/>
@@ -6338,7 +6489,7 @@
         </p:nvSpPr>
         <p:spPr bwMode="auto">
           <a:xfrm>
-            <a:off x="1221272" y="2506981"/>
+            <a:off x="1331000" y="1738885"/>
             <a:ext cx="8646534" cy="2022092"/>
           </a:xfrm>
           <a:prstGeom prst="rect">
@@ -6491,7 +6642,22 @@
           <a:bodyPr/>
           <a:lstStyle/>
           <a:p>
-            <a:endParaRPr lang="zh-CN" altLang="en-US"/>
+            <a:r>
+              <a:rPr lang="en-US" altLang="zh-CN" dirty="0"/>
+              <a:t>What is </a:t>
+            </a:r>
+            <a:r>
+              <a:rPr lang="en-US" altLang="zh-CN" dirty="0" err="1"/>
+              <a:t>pg_tileserv</a:t>
+            </a:r>
+            <a:r>
+              <a:rPr lang="en-US" altLang="zh-CN" dirty="0"/>
+              <a:t>?</a:t>
+            </a:r>
+            <a:br>
+              <a:rPr lang="en-US" altLang="zh-CN" dirty="0"/>
+            </a:br>
+            <a:endParaRPr lang="zh-CN" altLang="en-US" dirty="0"/>
           </a:p>
         </p:txBody>
       </p:sp>
@@ -6513,161 +6679,119 @@
         </p:nvSpPr>
         <p:spPr>
           <a:xfrm>
-            <a:off x="983528" y="2185416"/>
-            <a:ext cx="11029615" cy="4576318"/>
+            <a:off x="882944" y="1748437"/>
+            <a:ext cx="11029615" cy="3829403"/>
           </a:xfrm>
         </p:spPr>
         <p:txBody>
           <a:bodyPr>
-            <a:normAutofit fontScale="92500" lnSpcReduction="10000"/>
+            <a:noAutofit/>
           </a:bodyPr>
           <a:lstStyle/>
           <a:p>
-            <a:r>
-              <a:rPr lang="en-US" altLang="zh-CN" dirty="0"/>
-              <a:t>What are vector tiles?</a:t>
-            </a:r>
-          </a:p>
-          <a:p>
-            <a:endParaRPr lang="en-US" altLang="zh-CN" dirty="0"/>
-          </a:p>
-          <a:p>
-            <a:endParaRPr lang="en-US" altLang="zh-CN" dirty="0"/>
-          </a:p>
-          <a:p>
-            <a:r>
-              <a:rPr lang="en-US" altLang="zh-CN" dirty="0"/>
-              <a:t>2. What is </a:t>
-            </a:r>
-            <a:r>
-              <a:rPr lang="en-US" altLang="zh-CN" dirty="0" err="1"/>
-              <a:t>pg_tileserv</a:t>
-            </a:r>
-            <a:r>
-              <a:rPr lang="en-US" altLang="zh-CN" dirty="0"/>
-              <a:t>?</a:t>
-            </a:r>
+            <a:endParaRPr lang="en-US" altLang="zh-CN" sz="2400" dirty="0"/>
+          </a:p>
+          <a:p>
+            <a:endParaRPr lang="en-US" altLang="zh-CN" sz="2400" dirty="0"/>
           </a:p>
           <a:p>
             <a:pPr marL="666900" lvl="1" indent="-342900">
+              <a:lnSpc>
+                <a:spcPct val="150000"/>
+              </a:lnSpc>
               <a:buFont typeface="+mj-lt"/>
               <a:buAutoNum type="alphaLcParenR"/>
             </a:pPr>
             <a:r>
-              <a:rPr lang="en-US" altLang="zh-CN" dirty="0"/>
+              <a:rPr lang="en-US" altLang="zh-CN" sz="2400" dirty="0"/>
               <a:t>A lightweight tile server from </a:t>
             </a:r>
             <a:r>
-              <a:rPr lang="en-US" altLang="zh-CN" dirty="0" err="1"/>
+              <a:rPr lang="en-US" altLang="zh-CN" sz="2400" dirty="0">
+                <a:hlinkClick r:id="rId2"/>
+              </a:rPr>
               <a:t>CrunchyData</a:t>
             </a:r>
-            <a:endParaRPr lang="en-US" altLang="zh-CN" dirty="0"/>
+            <a:r>
+              <a:rPr lang="zh-CN" altLang="en-US" sz="2400" dirty="0"/>
+              <a:t>， </a:t>
+            </a:r>
+            <a:r>
+              <a:rPr lang="en-US" altLang="zh-CN" sz="2400" dirty="0">
+                <a:hlinkClick r:id="rId3"/>
+              </a:rPr>
+              <a:t>GitHub Documentation</a:t>
+            </a:r>
+            <a:endParaRPr lang="en-US" altLang="zh-CN" sz="2400" dirty="0"/>
           </a:p>
           <a:p>
             <a:pPr marL="666900" lvl="1" indent="-342900">
+              <a:lnSpc>
+                <a:spcPct val="150000"/>
+              </a:lnSpc>
               <a:buFont typeface="+mj-lt"/>
               <a:buAutoNum type="alphaLcParenR"/>
             </a:pPr>
-            <a:endParaRPr lang="en-US" altLang="zh-CN" dirty="0"/>
+            <a:r>
+              <a:rPr lang="en-US" altLang="zh-CN" sz="2400" dirty="0"/>
+              <a:t>Built on </a:t>
+            </a:r>
+            <a:r>
+              <a:rPr lang="en-US" altLang="zh-CN" sz="2400" dirty="0" err="1"/>
+              <a:t>PostGIS’s</a:t>
+            </a:r>
+            <a:r>
+              <a:rPr lang="en-US" altLang="zh-CN" sz="2400" dirty="0"/>
+              <a:t> </a:t>
+            </a:r>
+            <a:r>
+              <a:rPr lang="en-US" altLang="zh-CN" sz="2400" dirty="0" err="1"/>
+              <a:t>ST_AsMVT</a:t>
+            </a:r>
+            <a:r>
+              <a:rPr lang="en-US" altLang="zh-CN" sz="2400" dirty="0"/>
+              <a:t> function</a:t>
+            </a:r>
           </a:p>
           <a:p>
             <a:pPr marL="666900" lvl="1" indent="-342900">
+              <a:lnSpc>
+                <a:spcPct val="150000"/>
+              </a:lnSpc>
               <a:buFont typeface="+mj-lt"/>
               <a:buAutoNum type="alphaLcParenR"/>
             </a:pPr>
             <a:r>
-              <a:rPr lang="en-US" altLang="zh-CN" dirty="0"/>
-              <a:t>Built on </a:t>
-            </a:r>
-            <a:r>
-              <a:rPr lang="en-US" altLang="zh-CN" dirty="0" err="1"/>
-              <a:t>PostGIS’s</a:t>
-            </a:r>
-            <a:r>
-              <a:rPr lang="en-US" altLang="zh-CN" dirty="0"/>
-              <a:t> </a:t>
-            </a:r>
-            <a:r>
-              <a:rPr lang="en-US" altLang="zh-CN" dirty="0" err="1"/>
-              <a:t>ST_AsMVT</a:t>
-            </a:r>
-            <a:r>
-              <a:rPr lang="en-US" altLang="zh-CN" dirty="0"/>
-              <a:t> function</a:t>
-            </a:r>
+              <a:rPr lang="en-US" altLang="zh-CN" sz="2400" dirty="0"/>
+              <a:t>Auto-generates tiles from spatial tables in PostgreSQL/</a:t>
+            </a:r>
+            <a:r>
+              <a:rPr lang="en-US" altLang="zh-CN" sz="2400" dirty="0" err="1"/>
+              <a:t>PostGIS</a:t>
+            </a:r>
+            <a:endParaRPr lang="en-US" altLang="zh-CN" sz="2400" dirty="0"/>
           </a:p>
           <a:p>
             <a:pPr marL="666900" lvl="1" indent="-342900">
+              <a:lnSpc>
+                <a:spcPct val="150000"/>
+              </a:lnSpc>
               <a:buFont typeface="+mj-lt"/>
               <a:buAutoNum type="alphaLcParenR"/>
             </a:pPr>
-            <a:endParaRPr lang="en-US" altLang="zh-CN" dirty="0"/>
-          </a:p>
-          <a:p>
-            <a:pPr marL="666900" lvl="1" indent="-342900">
-              <a:buFont typeface="+mj-lt"/>
-              <a:buAutoNum type="alphaLcParenR"/>
-            </a:pPr>
-            <a:r>
-              <a:rPr lang="en-US" altLang="zh-CN" dirty="0"/>
-              <a:t>Auto-generates tiles from spatial tables in PostgreSQL/</a:t>
-            </a:r>
-            <a:r>
-              <a:rPr lang="en-US" altLang="zh-CN" dirty="0" err="1"/>
-              <a:t>PostGIS</a:t>
-            </a:r>
-            <a:endParaRPr lang="en-US" altLang="zh-CN" dirty="0"/>
-          </a:p>
-          <a:p>
-            <a:pPr marL="666900" lvl="1" indent="-342900">
-              <a:buFont typeface="+mj-lt"/>
-              <a:buAutoNum type="alphaLcParenR"/>
-            </a:pPr>
-            <a:endParaRPr lang="en-US" altLang="zh-CN" dirty="0"/>
-          </a:p>
-          <a:p>
-            <a:pPr marL="666900" lvl="1" indent="-342900">
-              <a:buFont typeface="+mj-lt"/>
-              <a:buAutoNum type="alphaLcParenR"/>
-            </a:pPr>
-            <a:r>
-              <a:rPr lang="en-US" altLang="zh-CN" dirty="0"/>
-              <a:t>Compliant with OGC and </a:t>
-            </a:r>
-            <a:r>
-              <a:rPr lang="en-US" altLang="zh-CN" dirty="0" err="1"/>
-              <a:t>Mapbox</a:t>
-            </a:r>
-            <a:r>
-              <a:rPr lang="en-US" altLang="zh-CN" dirty="0"/>
-              <a:t> Vector Tile (MVT) specs</a:t>
-            </a:r>
-          </a:p>
-          <a:p>
-            <a:pPr marL="666900" lvl="1" indent="-342900">
-              <a:buFont typeface="+mj-lt"/>
-              <a:buAutoNum type="alphaLcParenR"/>
-            </a:pPr>
-            <a:endParaRPr lang="en-US" altLang="zh-CN" dirty="0"/>
-          </a:p>
-          <a:p>
-            <a:pPr marL="666900" lvl="1" indent="-342900">
-              <a:buFont typeface="+mj-lt"/>
-              <a:buAutoNum type="alphaLcParenR"/>
-            </a:pPr>
-            <a:r>
-              <a:rPr lang="en-US" altLang="zh-CN" dirty="0"/>
+            <a:r>
+              <a:rPr lang="en-US" altLang="zh-CN" sz="2400" dirty="0"/>
               <a:t>No configuration required — it auto-detects all geometry tables!</a:t>
             </a:r>
           </a:p>
           <a:p>
-            <a:endParaRPr lang="en-US" altLang="zh-CN" dirty="0"/>
-          </a:p>
-          <a:p>
-            <a:endParaRPr lang="en-US" altLang="zh-CN" dirty="0"/>
-          </a:p>
-          <a:p>
-            <a:endParaRPr lang="zh-CN" altLang="en-US" dirty="0"/>
+            <a:endParaRPr lang="en-US" altLang="zh-CN" sz="2400" dirty="0"/>
+          </a:p>
+          <a:p>
+            <a:endParaRPr lang="en-US" altLang="zh-CN" sz="2400" dirty="0"/>
+          </a:p>
+          <a:p>
+            <a:endParaRPr lang="zh-CN" altLang="en-US" sz="2400" dirty="0"/>
           </a:p>
         </p:txBody>
       </p:sp>
@@ -6706,7 +6830,7 @@
           <p:cNvPr id="2" name="Title 1">
             <a:extLst>
               <a:ext uri="{FF2B5EF4-FFF2-40B4-BE49-F238E27FC236}">
-                <a16:creationId xmlns:a16="http://schemas.microsoft.com/office/drawing/2014/main" id="{530DC919-2ED2-C7DB-8E10-62F1CAAE6CAE}"/>
+                <a16:creationId xmlns:a16="http://schemas.microsoft.com/office/drawing/2014/main" id="{2CFD3696-9DA8-7E07-0DE6-6B4EF0B327EE}"/>
               </a:ext>
             </a:extLst>
           </p:cNvPr>
@@ -6729,15 +6853,7 @@
           <a:p>
             <a:r>
               <a:rPr lang="en-US" altLang="zh-CN" dirty="0"/>
-              <a:t>Download </a:t>
-            </a:r>
-            <a:r>
-              <a:rPr lang="en-US" altLang="zh-CN" dirty="0" err="1"/>
-              <a:t>pg_tileserv</a:t>
-            </a:r>
-            <a:r>
-              <a:rPr lang="en-US" altLang="zh-CN" dirty="0"/>
-              <a:t> </a:t>
+              <a:t>requirements</a:t>
             </a:r>
             <a:endParaRPr lang="zh-CN" altLang="en-US" dirty="0"/>
           </a:p>
@@ -6748,7 +6864,7 @@
           <p:cNvPr id="3" name="Content Placeholder 2">
             <a:extLst>
               <a:ext uri="{FF2B5EF4-FFF2-40B4-BE49-F238E27FC236}">
-                <a16:creationId xmlns:a16="http://schemas.microsoft.com/office/drawing/2014/main" id="{EFA2697C-DA2B-C70C-54BA-E9B141ADB14A}"/>
+                <a16:creationId xmlns:a16="http://schemas.microsoft.com/office/drawing/2014/main" id="{2E653237-BCB9-7672-4B78-3F74F1E2C954}"/>
               </a:ext>
             </a:extLst>
           </p:cNvPr>
@@ -6761,47 +6877,224 @@
         </p:nvSpPr>
         <p:spPr>
           <a:xfrm>
-            <a:off x="654344" y="1435608"/>
-            <a:ext cx="11029615" cy="2626261"/>
+            <a:off x="581193" y="1453896"/>
+            <a:ext cx="11029615" cy="2176272"/>
           </a:xfrm>
         </p:spPr>
         <p:txBody>
           <a:bodyPr/>
           <a:lstStyle/>
           <a:p>
-            <a:r>
-              <a:rPr lang="en-US" altLang="zh-CN" dirty="0"/>
-              <a:t>Download latest release from GitHub: https://github.com/CrunchyData/pg_tileserv/releases</a:t>
-            </a:r>
-          </a:p>
-          <a:p>
+            <a:pPr algn="l">
+              <a:buFont typeface="Wingdings" panose="05000000000000000000" pitchFamily="2" charset="2"/>
+              <a:buChar char="n"/>
+            </a:pPr>
+            <a:r>
+              <a:rPr lang="en-US" altLang="zh-CN" b="1" i="0" dirty="0">
+                <a:effectLst/>
+                <a:latin typeface="Fort"/>
+              </a:rPr>
+              <a:t>PostgreSQL 9.5</a:t>
+            </a:r>
+            <a:r>
+              <a:rPr lang="en-US" altLang="zh-CN" b="0" i="0" dirty="0">
+                <a:effectLst/>
+                <a:latin typeface="Fort"/>
+              </a:rPr>
+              <a:t> or later</a:t>
+            </a:r>
+          </a:p>
+          <a:p>
+            <a:pPr algn="l">
+              <a:buFont typeface="Wingdings" panose="05000000000000000000" pitchFamily="2" charset="2"/>
+              <a:buChar char="n"/>
+            </a:pPr>
+            <a:r>
+              <a:rPr lang="en-US" altLang="zh-CN" b="1" i="0" dirty="0" err="1">
+                <a:effectLst/>
+                <a:latin typeface="Fort"/>
+              </a:rPr>
+              <a:t>PostGIS</a:t>
+            </a:r>
+            <a:r>
+              <a:rPr lang="en-US" altLang="zh-CN" b="1" i="0" dirty="0">
+                <a:effectLst/>
+                <a:latin typeface="Fort"/>
+              </a:rPr>
+              <a:t> 2.4</a:t>
+            </a:r>
+            <a:r>
+              <a:rPr lang="en-US" altLang="zh-CN" b="0" i="0" dirty="0">
+                <a:effectLst/>
+                <a:latin typeface="Fort"/>
+              </a:rPr>
+              <a:t> or later</a:t>
+            </a:r>
+          </a:p>
+          <a:p>
+            <a:pPr algn="l">
+              <a:buFont typeface="Wingdings" panose="05000000000000000000" pitchFamily="2" charset="2"/>
+              <a:buChar char="n"/>
+            </a:pPr>
+            <a:r>
+              <a:rPr lang="en-US" altLang="zh-CN" b="0" i="0" dirty="0">
+                <a:effectLst/>
+                <a:latin typeface="Fort"/>
+              </a:rPr>
+              <a:t>The tile server depends on the </a:t>
+            </a:r>
+            <a:r>
+              <a:rPr lang="en-US" altLang="zh-CN" b="0" i="0" u="none" strike="noStrike" dirty="0" err="1">
+                <a:solidFill>
+                  <a:srgbClr val="0167B3"/>
+                </a:solidFill>
+                <a:effectLst/>
+                <a:latin typeface="Fort"/>
+                <a:hlinkClick r:id="rId2"/>
+              </a:rPr>
+              <a:t>ST_AsMVT</a:t>
+            </a:r>
+            <a:r>
+              <a:rPr lang="en-US" altLang="zh-CN" b="0" i="0" u="none" strike="noStrike" dirty="0">
+                <a:solidFill>
+                  <a:srgbClr val="0167B3"/>
+                </a:solidFill>
+                <a:effectLst/>
+                <a:latin typeface="Fort"/>
+                <a:hlinkClick r:id="rId2"/>
+              </a:rPr>
+              <a:t>()</a:t>
+            </a:r>
+            <a:r>
+              <a:rPr lang="en-US" altLang="zh-CN" b="0" i="0" dirty="0">
+                <a:effectLst/>
+                <a:latin typeface="Fort"/>
+              </a:rPr>
+              <a:t> function, which is only available if </a:t>
+            </a:r>
+            <a:r>
+              <a:rPr lang="en-US" altLang="zh-CN" b="0" i="0" dirty="0" err="1">
+                <a:effectLst/>
+                <a:latin typeface="Fort"/>
+              </a:rPr>
+              <a:t>PostGIS</a:t>
+            </a:r>
+            <a:r>
+              <a:rPr lang="en-US" altLang="zh-CN" b="0" i="0" dirty="0">
+                <a:effectLst/>
+                <a:latin typeface="Fort"/>
+              </a:rPr>
+              <a:t> has been compiled with support for the </a:t>
+            </a:r>
+            <a:r>
+              <a:rPr lang="en-US" altLang="zh-CN" b="1" i="0" dirty="0" err="1">
+                <a:effectLst/>
+                <a:latin typeface="Fort"/>
+              </a:rPr>
+              <a:t>libprotobuf</a:t>
+            </a:r>
+            <a:r>
+              <a:rPr lang="en-US" altLang="zh-CN" b="0" i="0" dirty="0">
+                <a:effectLst/>
+                <a:latin typeface="Fort"/>
+              </a:rPr>
+              <a:t> library. See the output from </a:t>
+            </a:r>
+            <a:r>
+              <a:rPr lang="en-US" altLang="zh-CN" b="0" i="0" u="none" strike="noStrike" dirty="0" err="1">
+                <a:solidFill>
+                  <a:srgbClr val="0167B3"/>
+                </a:solidFill>
+                <a:effectLst/>
+                <a:latin typeface="Fort"/>
+                <a:hlinkClick r:id="rId3"/>
+              </a:rPr>
+              <a:t>PostGIS_Full_Version</a:t>
+            </a:r>
+            <a:r>
+              <a:rPr lang="en-US" altLang="zh-CN" b="0" i="0" dirty="0">
+                <a:effectLst/>
+                <a:latin typeface="Fort"/>
+              </a:rPr>
+              <a:t>, for example:</a:t>
+            </a:r>
             <a:endParaRPr lang="en-US" altLang="zh-CN" dirty="0"/>
           </a:p>
           <a:p>
-            <a:r>
-              <a:rPr lang="en-US" altLang="zh-CN" dirty="0"/>
-              <a:t>Extract .zip → Keep pg_tileserv.exe and assets/ in the same folder</a:t>
-            </a:r>
-          </a:p>
-          <a:p>
-            <a:endParaRPr lang="en-US" altLang="zh-CN" dirty="0"/>
-          </a:p>
-          <a:p>
-            <a:r>
-              <a:rPr lang="en-US" altLang="zh-CN" dirty="0"/>
-              <a:t>No installer needed</a:t>
-            </a:r>
-            <a:br>
-              <a:rPr lang="en-US" altLang="zh-CN" dirty="0"/>
-            </a:br>
-            <a:endParaRPr lang="zh-CN" altLang="en-US" dirty="0"/>
+            <a:pPr marL="324000" lvl="1" indent="0">
+              <a:buNone/>
+            </a:pPr>
+            <a:r>
+              <a:rPr lang="en-US" altLang="zh-CN" dirty="0">
+                <a:solidFill>
+                  <a:srgbClr val="00B0F0"/>
+                </a:solidFill>
+              </a:rPr>
+              <a:t>SELECT </a:t>
+            </a:r>
+            <a:r>
+              <a:rPr lang="en-US" altLang="zh-CN" dirty="0" err="1">
+                <a:solidFill>
+                  <a:srgbClr val="00B0F0"/>
+                </a:solidFill>
+              </a:rPr>
+              <a:t>postgis_full_version</a:t>
+            </a:r>
+            <a:r>
+              <a:rPr lang="en-US" altLang="zh-CN" dirty="0">
+                <a:solidFill>
+                  <a:srgbClr val="00B0F0"/>
+                </a:solidFill>
+              </a:rPr>
+              <a:t>()</a:t>
+            </a:r>
+            <a:endParaRPr lang="zh-CN" altLang="en-US" dirty="0">
+              <a:solidFill>
+                <a:srgbClr val="00B0F0"/>
+              </a:solidFill>
+            </a:endParaRPr>
+          </a:p>
+        </p:txBody>
+      </p:sp>
+      <p:sp>
+        <p:nvSpPr>
+          <p:cNvPr id="5" name="TextBox 4">
+            <a:extLst>
+              <a:ext uri="{FF2B5EF4-FFF2-40B4-BE49-F238E27FC236}">
+                <a16:creationId xmlns:a16="http://schemas.microsoft.com/office/drawing/2014/main" id="{F5491B0F-6D8A-8374-E488-A7D547A2B932}"/>
+              </a:ext>
+            </a:extLst>
+          </p:cNvPr>
+          <p:cNvSpPr txBox="1"/>
+          <p:nvPr/>
+        </p:nvSpPr>
+        <p:spPr>
+          <a:xfrm>
+            <a:off x="2937510" y="3785616"/>
+            <a:ext cx="6094476" cy="2585323"/>
+          </a:xfrm>
+          <a:prstGeom prst="rect">
+            <a:avLst/>
+          </a:prstGeom>
+          <a:noFill/>
+        </p:spPr>
+        <p:txBody>
+          <a:bodyPr wrap="square">
+            <a:spAutoFit/>
+          </a:bodyPr>
+          <a:lstStyle/>
+          <a:p>
+            <a:r>
+              <a:rPr lang="zh-CN" altLang="en-US" dirty="0"/>
+              <a:t>POSTGIS="3.5.2 3.5.2" [EXTENSION] PGSQL="170" GEOS="3.13.0-CAPI-1.19.0" PROJ="8.2.1 NETWORK_ENABLED=OFF URL_ENDPOINT=https://cdn.proj.org USER_WRITABLE_DIRECTORY=C:\Windows\ServiceProfiles\NetworkService\AppData\Local/proj DATABASE_PATH=D:\PostgreSQL\share\contrib\postgis-3.5\proj\proj.db" (compiled against PROJ 8.2.1) GDAL="GDAL 3.9.2, released 2024/08/13" LIBXML="2.12.5" LIBJSON="0.12" LIBPROTOBUF="1.2.1" WAGYU="0.5.0 (Internal)" RASTER</a:t>
+            </a:r>
           </a:p>
         </p:txBody>
       </p:sp>
     </p:spTree>
     <p:extLst>
       <p:ext uri="{BB962C8B-B14F-4D97-AF65-F5344CB8AC3E}">
-        <p14:creationId xmlns:p14="http://schemas.microsoft.com/office/powerpoint/2010/main" val="577280805"/>
+        <p14:creationId xmlns:p14="http://schemas.microsoft.com/office/powerpoint/2010/main" val="2488130757"/>
       </p:ext>
     </p:extLst>
   </p:cSld>
@@ -6833,7 +7126,7 @@
           <p:cNvPr id="2" name="Title 1">
             <a:extLst>
               <a:ext uri="{FF2B5EF4-FFF2-40B4-BE49-F238E27FC236}">
-                <a16:creationId xmlns:a16="http://schemas.microsoft.com/office/drawing/2014/main" id="{2CFD3696-9DA8-7E07-0DE6-6B4EF0B327EE}"/>
+                <a16:creationId xmlns:a16="http://schemas.microsoft.com/office/drawing/2014/main" id="{530DC919-2ED2-C7DB-8E10-62F1CAAE6CAE}"/>
               </a:ext>
             </a:extLst>
           </p:cNvPr>
@@ -6856,7 +7149,15 @@
           <a:p>
             <a:r>
               <a:rPr lang="en-US" altLang="zh-CN" dirty="0"/>
-              <a:t>requirements</a:t>
+              <a:t>Download </a:t>
+            </a:r>
+            <a:r>
+              <a:rPr lang="en-US" altLang="zh-CN" dirty="0" err="1"/>
+              <a:t>pg_tileserv</a:t>
+            </a:r>
+            <a:r>
+              <a:rPr lang="en-US" altLang="zh-CN" dirty="0"/>
+              <a:t> </a:t>
             </a:r>
             <a:endParaRPr lang="zh-CN" altLang="en-US" dirty="0"/>
           </a:p>
@@ -6867,7 +7168,7 @@
           <p:cNvPr id="3" name="Content Placeholder 2">
             <a:extLst>
               <a:ext uri="{FF2B5EF4-FFF2-40B4-BE49-F238E27FC236}">
-                <a16:creationId xmlns:a16="http://schemas.microsoft.com/office/drawing/2014/main" id="{2E653237-BCB9-7672-4B78-3F74F1E2C954}"/>
+                <a16:creationId xmlns:a16="http://schemas.microsoft.com/office/drawing/2014/main" id="{EFA2697C-DA2B-C70C-54BA-E9B141ADB14A}"/>
               </a:ext>
             </a:extLst>
           </p:cNvPr>
@@ -6880,189 +7181,47 @@
         </p:nvSpPr>
         <p:spPr>
           <a:xfrm>
-            <a:off x="581193" y="1453896"/>
-            <a:ext cx="11029615" cy="2176272"/>
+            <a:off x="663488" y="1499616"/>
+            <a:ext cx="11029615" cy="2626261"/>
           </a:xfrm>
         </p:spPr>
         <p:txBody>
           <a:bodyPr/>
           <a:lstStyle/>
           <a:p>
-            <a:pPr algn="l">
-              <a:buFont typeface="Wingdings" panose="05000000000000000000" pitchFamily="2" charset="2"/>
-              <a:buChar char="n"/>
-            </a:pPr>
-            <a:r>
-              <a:rPr lang="en-US" altLang="zh-CN" b="1" i="0" dirty="0">
-                <a:effectLst/>
-                <a:latin typeface="Fort"/>
-              </a:rPr>
-              <a:t>PostgreSQL 9.5</a:t>
-            </a:r>
-            <a:r>
-              <a:rPr lang="en-US" altLang="zh-CN" b="0" i="0" dirty="0">
-                <a:effectLst/>
-                <a:latin typeface="Fort"/>
-              </a:rPr>
-              <a:t> or later</a:t>
-            </a:r>
-          </a:p>
-          <a:p>
-            <a:pPr algn="l">
-              <a:buFont typeface="Wingdings" panose="05000000000000000000" pitchFamily="2" charset="2"/>
-              <a:buChar char="n"/>
-            </a:pPr>
-            <a:r>
-              <a:rPr lang="en-US" altLang="zh-CN" b="1" i="0" dirty="0" err="1">
-                <a:effectLst/>
-                <a:latin typeface="Fort"/>
-              </a:rPr>
-              <a:t>PostGIS</a:t>
-            </a:r>
-            <a:r>
-              <a:rPr lang="en-US" altLang="zh-CN" b="1" i="0" dirty="0">
-                <a:effectLst/>
-                <a:latin typeface="Fort"/>
-              </a:rPr>
-              <a:t> 2.4</a:t>
-            </a:r>
-            <a:r>
-              <a:rPr lang="en-US" altLang="zh-CN" b="0" i="0" dirty="0">
-                <a:effectLst/>
-                <a:latin typeface="Fort"/>
-              </a:rPr>
-              <a:t> or later</a:t>
-            </a:r>
-          </a:p>
-          <a:p>
-            <a:pPr algn="l">
-              <a:buFont typeface="Wingdings" panose="05000000000000000000" pitchFamily="2" charset="2"/>
-              <a:buChar char="n"/>
-            </a:pPr>
-            <a:r>
-              <a:rPr lang="en-US" altLang="zh-CN" b="0" i="0" dirty="0">
-                <a:effectLst/>
-                <a:latin typeface="Fort"/>
-              </a:rPr>
-              <a:t>The tile server depends on the </a:t>
-            </a:r>
-            <a:r>
-              <a:rPr lang="en-US" altLang="zh-CN" b="0" i="0" u="none" strike="noStrike" dirty="0" err="1">
-                <a:solidFill>
-                  <a:srgbClr val="0167B3"/>
-                </a:solidFill>
-                <a:effectLst/>
-                <a:latin typeface="Fort"/>
-                <a:hlinkClick r:id="rId2"/>
-              </a:rPr>
-              <a:t>ST_AsMVT</a:t>
-            </a:r>
-            <a:r>
-              <a:rPr lang="en-US" altLang="zh-CN" b="0" i="0" u="none" strike="noStrike" dirty="0">
-                <a:solidFill>
-                  <a:srgbClr val="0167B3"/>
-                </a:solidFill>
-                <a:effectLst/>
-                <a:latin typeface="Fort"/>
-                <a:hlinkClick r:id="rId2"/>
-              </a:rPr>
-              <a:t>()</a:t>
-            </a:r>
-            <a:r>
-              <a:rPr lang="en-US" altLang="zh-CN" b="0" i="0" dirty="0">
-                <a:effectLst/>
-                <a:latin typeface="Fort"/>
-              </a:rPr>
-              <a:t> function, which is only available if </a:t>
-            </a:r>
-            <a:r>
-              <a:rPr lang="en-US" altLang="zh-CN" b="0" i="0" dirty="0" err="1">
-                <a:effectLst/>
-                <a:latin typeface="Fort"/>
-              </a:rPr>
-              <a:t>PostGIS</a:t>
-            </a:r>
-            <a:r>
-              <a:rPr lang="en-US" altLang="zh-CN" b="0" i="0" dirty="0">
-                <a:effectLst/>
-                <a:latin typeface="Fort"/>
-              </a:rPr>
-              <a:t> has been compiled with support for the </a:t>
-            </a:r>
-            <a:r>
-              <a:rPr lang="en-US" altLang="zh-CN" b="1" i="0" dirty="0" err="1">
-                <a:effectLst/>
-                <a:latin typeface="Fort"/>
-              </a:rPr>
-              <a:t>libprotobuf</a:t>
-            </a:r>
-            <a:r>
-              <a:rPr lang="en-US" altLang="zh-CN" b="0" i="0" dirty="0">
-                <a:effectLst/>
-                <a:latin typeface="Fort"/>
-              </a:rPr>
-              <a:t> library. See the output from </a:t>
-            </a:r>
-            <a:r>
-              <a:rPr lang="en-US" altLang="zh-CN" b="0" i="0" u="none" strike="noStrike" dirty="0" err="1">
-                <a:solidFill>
-                  <a:srgbClr val="0167B3"/>
-                </a:solidFill>
-                <a:effectLst/>
-                <a:latin typeface="Fort"/>
-                <a:hlinkClick r:id="rId3"/>
-              </a:rPr>
-              <a:t>PostGIS_Full_Version</a:t>
-            </a:r>
-            <a:r>
-              <a:rPr lang="en-US" altLang="zh-CN" b="0" i="0" dirty="0">
-                <a:effectLst/>
-                <a:latin typeface="Fort"/>
-              </a:rPr>
-              <a:t>, for example:</a:t>
-            </a:r>
+            <a:r>
+              <a:rPr lang="en-US" altLang="zh-CN" dirty="0"/>
+              <a:t>Download install package from GitHub: https://github.com/gisynw/ssj-376/tree/main/docs/Lectures/Week14</a:t>
+            </a:r>
+          </a:p>
+          <a:p>
             <a:endParaRPr lang="en-US" altLang="zh-CN" dirty="0"/>
           </a:p>
           <a:p>
-            <a:pPr marL="324000" lvl="1" indent="0">
-              <a:buNone/>
-            </a:pPr>
-            <a:r>
-              <a:rPr lang="en-US" altLang="zh-CN" dirty="0">
-                <a:solidFill>
-                  <a:srgbClr val="00B0F0"/>
-                </a:solidFill>
-              </a:rPr>
-              <a:t>SELECT </a:t>
-            </a:r>
-            <a:r>
-              <a:rPr lang="en-US" altLang="zh-CN" dirty="0" err="1">
-                <a:solidFill>
-                  <a:srgbClr val="00B0F0"/>
-                </a:solidFill>
-              </a:rPr>
-              <a:t>postgis_full_version</a:t>
-            </a:r>
-            <a:r>
-              <a:rPr lang="en-US" altLang="zh-CN" dirty="0">
-                <a:solidFill>
-                  <a:srgbClr val="00B0F0"/>
-                </a:solidFill>
-              </a:rPr>
-              <a:t>()</a:t>
-            </a:r>
-            <a:endParaRPr lang="zh-CN" altLang="en-US" dirty="0">
-              <a:solidFill>
-                <a:srgbClr val="00B0F0"/>
-              </a:solidFill>
-            </a:endParaRPr>
+            <a:r>
+              <a:rPr lang="en-US" altLang="zh-CN" dirty="0"/>
+              <a:t>Extract .zip → Keep pg_tileserv.exe and assets/ in the same folder</a:t>
+            </a:r>
+          </a:p>
+          <a:p>
+            <a:endParaRPr lang="en-US" altLang="zh-CN" dirty="0"/>
+          </a:p>
+          <a:p>
+            <a:r>
+              <a:rPr lang="en-US" altLang="zh-CN" dirty="0"/>
+              <a:t>No installer needed</a:t>
+            </a:r>
+            <a:br>
+              <a:rPr lang="en-US" altLang="zh-CN" dirty="0"/>
+            </a:br>
+            <a:endParaRPr lang="zh-CN" altLang="en-US" dirty="0"/>
           </a:p>
         </p:txBody>
       </p:sp>
     </p:spTree>
     <p:extLst>
       <p:ext uri="{BB962C8B-B14F-4D97-AF65-F5344CB8AC3E}">
-        <p14:creationId xmlns:p14="http://schemas.microsoft.com/office/powerpoint/2010/main" val="2488130757"/>
+        <p14:creationId xmlns:p14="http://schemas.microsoft.com/office/powerpoint/2010/main" val="577280805"/>
       </p:ext>
     </p:extLst>
   </p:cSld>
@@ -7094,7 +7253,7 @@
           <p:cNvPr id="2" name="Title 1">
             <a:extLst>
               <a:ext uri="{FF2B5EF4-FFF2-40B4-BE49-F238E27FC236}">
-                <a16:creationId xmlns:a16="http://schemas.microsoft.com/office/drawing/2014/main" id="{C6FFD3F0-EDF2-3849-E6E8-D34B36275E65}"/>
+                <a16:creationId xmlns:a16="http://schemas.microsoft.com/office/drawing/2014/main" id="{A7E1EC03-6213-8EBE-81B2-A7EA6C789B30}"/>
               </a:ext>
             </a:extLst>
           </p:cNvPr>
@@ -7108,7 +7267,7 @@
         <p:spPr>
           <a:xfrm>
             <a:off x="581192" y="702156"/>
-            <a:ext cx="11029616" cy="642012"/>
+            <a:ext cx="11029616" cy="632867"/>
           </a:xfrm>
         </p:spPr>
         <p:txBody>
@@ -7117,15 +7276,11 @@
           <a:p>
             <a:r>
               <a:rPr lang="en-US" altLang="zh-CN" dirty="0"/>
-              <a:t>Download </a:t>
+              <a:t>Connection to </a:t>
             </a:r>
             <a:r>
               <a:rPr lang="en-US" altLang="zh-CN" dirty="0" err="1"/>
               <a:t>pg_tileserv</a:t>
-            </a:r>
-            <a:r>
-              <a:rPr lang="en-US" altLang="zh-CN" dirty="0"/>
-              <a:t> </a:t>
             </a:r>
             <a:endParaRPr lang="zh-CN" altLang="en-US" dirty="0"/>
           </a:p>
@@ -7136,7 +7291,7 @@
           <p:cNvPr id="3" name="Content Placeholder 2">
             <a:extLst>
               <a:ext uri="{FF2B5EF4-FFF2-40B4-BE49-F238E27FC236}">
-                <a16:creationId xmlns:a16="http://schemas.microsoft.com/office/drawing/2014/main" id="{86C41FD8-F1E1-A6C2-7958-DF6F7D0CE955}"/>
+                <a16:creationId xmlns:a16="http://schemas.microsoft.com/office/drawing/2014/main" id="{423EEC00-A091-C8F1-A65D-AF4D262A5A9D}"/>
               </a:ext>
             </a:extLst>
           </p:cNvPr>
@@ -7149,8 +7304,8 @@
         </p:nvSpPr>
         <p:spPr>
           <a:xfrm>
-            <a:off x="581193" y="1611757"/>
-            <a:ext cx="11029615" cy="3634486"/>
+            <a:off x="581193" y="1545336"/>
+            <a:ext cx="11029615" cy="566928"/>
           </a:xfrm>
         </p:spPr>
         <p:txBody>
@@ -7158,29 +7313,247 @@
           <a:lstStyle/>
           <a:p>
             <a:r>
+              <a:rPr lang="en-US" altLang="zh-CN" dirty="0">
+                <a:solidFill>
+                  <a:schemeClr val="tx1"/>
+                </a:solidFill>
+              </a:rPr>
+              <a:t>In </a:t>
+            </a:r>
+            <a:r>
+              <a:rPr lang="en-US" altLang="zh-CN" dirty="0" err="1">
+                <a:solidFill>
+                  <a:schemeClr val="tx1"/>
+                </a:solidFill>
+              </a:rPr>
+              <a:t>cmd</a:t>
+            </a:r>
+            <a:r>
+              <a:rPr lang="en-US" altLang="zh-CN" dirty="0">
+                <a:solidFill>
+                  <a:schemeClr val="tx1"/>
+                </a:solidFill>
+              </a:rPr>
+              <a:t>, change working directory to the file that include pg_tileserv.exe</a:t>
+            </a:r>
+            <a:endParaRPr lang="zh-CN" altLang="en-US" dirty="0"/>
+          </a:p>
+        </p:txBody>
+      </p:sp>
+      <p:pic>
+        <p:nvPicPr>
+          <p:cNvPr id="5" name="Picture 4">
+            <a:extLst>
+              <a:ext uri="{FF2B5EF4-FFF2-40B4-BE49-F238E27FC236}">
+                <a16:creationId xmlns:a16="http://schemas.microsoft.com/office/drawing/2014/main" id="{75DC3769-B002-A159-EB15-FD6191ACC4C1}"/>
+              </a:ext>
+            </a:extLst>
+          </p:cNvPr>
+          <p:cNvPicPr>
+            <a:picLocks noChangeAspect="1"/>
+          </p:cNvPicPr>
+          <p:nvPr/>
+        </p:nvPicPr>
+        <p:blipFill>
+          <a:blip r:embed="rId2"/>
+          <a:stretch>
+            <a:fillRect/>
+          </a:stretch>
+        </p:blipFill>
+        <p:spPr>
+          <a:xfrm>
+            <a:off x="4305300" y="2322577"/>
+            <a:ext cx="3581400" cy="762000"/>
+          </a:xfrm>
+          <a:prstGeom prst="rect">
+            <a:avLst/>
+          </a:prstGeom>
+        </p:spPr>
+      </p:pic>
+      <p:sp>
+        <p:nvSpPr>
+          <p:cNvPr id="7" name="TextBox 6">
+            <a:extLst>
+              <a:ext uri="{FF2B5EF4-FFF2-40B4-BE49-F238E27FC236}">
+                <a16:creationId xmlns:a16="http://schemas.microsoft.com/office/drawing/2014/main" id="{E538547C-6833-A162-435C-2F70B2EEED22}"/>
+              </a:ext>
+            </a:extLst>
+          </p:cNvPr>
+          <p:cNvSpPr txBox="1"/>
+          <p:nvPr/>
+        </p:nvSpPr>
+        <p:spPr>
+          <a:xfrm>
+            <a:off x="581192" y="3517128"/>
+            <a:ext cx="10757368" cy="1963614"/>
+          </a:xfrm>
+          <a:prstGeom prst="rect">
+            <a:avLst/>
+          </a:prstGeom>
+          <a:noFill/>
+        </p:spPr>
+        <p:txBody>
+          <a:bodyPr wrap="square">
+            <a:spAutoFit/>
+          </a:bodyPr>
+          <a:lstStyle/>
+          <a:p>
+            <a:pPr marL="306000" indent="-306000">
+              <a:spcBef>
+                <a:spcPct val="20000"/>
+              </a:spcBef>
+              <a:spcAft>
+                <a:spcPts val="600"/>
+              </a:spcAft>
+              <a:buClr>
+                <a:schemeClr val="accent1"/>
+              </a:buClr>
+              <a:buSzPct val="92000"/>
+              <a:buFont typeface="Wingdings 2" panose="05020102010507070707" pitchFamily="18" charset="2"/>
+              <a:buChar char=""/>
+            </a:pPr>
+            <a:r>
               <a:rPr lang="en-US" altLang="zh-CN" dirty="0"/>
-              <a:t>Windows</a:t>
-            </a:r>
-          </a:p>
-          <a:p>
+              <a:t>Make a connection between </a:t>
+            </a:r>
+            <a:r>
+              <a:rPr lang="en-US" altLang="zh-CN" dirty="0" err="1"/>
+              <a:t>PostGIS</a:t>
+            </a:r>
             <a:r>
               <a:rPr lang="en-US" altLang="zh-CN" dirty="0"/>
-              <a:t>Linux</a:t>
-            </a:r>
-          </a:p>
-          <a:p>
-            <a:r>
-              <a:rPr lang="en-US" altLang="zh-CN" dirty="0"/>
-              <a:t>Macs</a:t>
-            </a:r>
-            <a:endParaRPr lang="zh-CN" altLang="en-US" dirty="0"/>
-          </a:p>
-        </p:txBody>
-      </p:sp>
+              <a:t> and </a:t>
+            </a:r>
+            <a:r>
+              <a:rPr lang="en-US" altLang="zh-CN" dirty="0" err="1"/>
+              <a:t>pg_tileserv</a:t>
+            </a:r>
+            <a:endParaRPr lang="en-US" altLang="zh-CN" dirty="0"/>
+          </a:p>
+          <a:p>
+            <a:pPr lvl="1"/>
+            <a:endParaRPr lang="en-US" altLang="zh-CN" dirty="0">
+              <a:solidFill>
+                <a:schemeClr val="tx1"/>
+              </a:solidFill>
+            </a:endParaRPr>
+          </a:p>
+          <a:p>
+            <a:pPr marL="0" indent="0">
+              <a:buNone/>
+            </a:pPr>
+            <a:r>
+              <a:rPr lang="da-DK" altLang="zh-CN" dirty="0">
+                <a:solidFill>
+                  <a:srgbClr val="00B0F0"/>
+                </a:solidFill>
+              </a:rPr>
+              <a:t>set DATABASE_URL=postgres://</a:t>
+            </a:r>
+            <a:r>
+              <a:rPr lang="da-DK" altLang="zh-CN" b="1" i="1" dirty="0">
+                <a:solidFill>
+                  <a:srgbClr val="C00000"/>
+                </a:solidFill>
+              </a:rPr>
+              <a:t>username:password</a:t>
+            </a:r>
+            <a:r>
+              <a:rPr lang="da-DK" altLang="zh-CN" dirty="0">
+                <a:solidFill>
+                  <a:srgbClr val="00B0F0"/>
+                </a:solidFill>
+              </a:rPr>
+              <a:t>@localhost:5432/</a:t>
+            </a:r>
+            <a:r>
+              <a:rPr lang="da-DK" altLang="zh-CN" b="1" i="1" dirty="0">
+                <a:solidFill>
+                  <a:srgbClr val="C00000"/>
+                </a:solidFill>
+              </a:rPr>
+              <a:t>spatial </a:t>
+            </a:r>
+            <a:r>
+              <a:rPr lang="da-DK" altLang="zh-CN" dirty="0"/>
+              <a:t>(spatial is the name of database)</a:t>
+            </a:r>
+          </a:p>
+          <a:p>
+            <a:pPr marL="0" indent="0">
+              <a:buNone/>
+            </a:pPr>
+            <a:endParaRPr lang="da-DK" altLang="zh-CN" dirty="0"/>
+          </a:p>
+          <a:p>
+            <a:pPr marL="306000" indent="-306000">
+              <a:spcBef>
+                <a:spcPct val="20000"/>
+              </a:spcBef>
+              <a:spcAft>
+                <a:spcPts val="600"/>
+              </a:spcAft>
+              <a:buClr>
+                <a:schemeClr val="accent1"/>
+              </a:buClr>
+              <a:buSzPct val="92000"/>
+              <a:buFont typeface="Wingdings 2" panose="05020102010507070707" pitchFamily="18" charset="2"/>
+              <a:buChar char=""/>
+            </a:pPr>
+            <a:r>
+              <a:rPr lang="da-DK" altLang="zh-CN" dirty="0"/>
+              <a:t>Run pg_tileserv.exe</a:t>
+            </a:r>
+          </a:p>
+          <a:p>
+            <a:pPr marL="0" indent="0">
+              <a:buNone/>
+            </a:pPr>
+            <a:r>
+              <a:rPr lang="da-DK" altLang="zh-CN" dirty="0">
+                <a:solidFill>
+                  <a:srgbClr val="00B0F0"/>
+                </a:solidFill>
+              </a:rPr>
+              <a:t>pg_tileserv.exe</a:t>
+            </a:r>
+          </a:p>
+        </p:txBody>
+      </p:sp>
+      <p:pic>
+        <p:nvPicPr>
+          <p:cNvPr id="6" name="Picture 5">
+            <a:extLst>
+              <a:ext uri="{FF2B5EF4-FFF2-40B4-BE49-F238E27FC236}">
+                <a16:creationId xmlns:a16="http://schemas.microsoft.com/office/drawing/2014/main" id="{EB949B61-81D3-4E00-832F-E56BD398AD32}"/>
+              </a:ext>
+            </a:extLst>
+          </p:cNvPr>
+          <p:cNvPicPr>
+            <a:picLocks noChangeAspect="1"/>
+          </p:cNvPicPr>
+          <p:nvPr/>
+        </p:nvPicPr>
+        <p:blipFill>
+          <a:blip r:embed="rId3"/>
+          <a:stretch>
+            <a:fillRect/>
+          </a:stretch>
+        </p:blipFill>
+        <p:spPr>
+          <a:xfrm>
+            <a:off x="2885775" y="5729680"/>
+            <a:ext cx="7105249" cy="852328"/>
+          </a:xfrm>
+          <a:prstGeom prst="rect">
+            <a:avLst/>
+          </a:prstGeom>
+        </p:spPr>
+      </p:pic>
     </p:spTree>
     <p:extLst>
       <p:ext uri="{BB962C8B-B14F-4D97-AF65-F5344CB8AC3E}">
-        <p14:creationId xmlns:p14="http://schemas.microsoft.com/office/powerpoint/2010/main" val="2835012577"/>
+        <p14:creationId xmlns:p14="http://schemas.microsoft.com/office/powerpoint/2010/main" val="169781092"/>
       </p:ext>
     </p:extLst>
   </p:cSld>
@@ -7212,7 +7585,7 @@
           <p:cNvPr id="2" name="Title 1">
             <a:extLst>
               <a:ext uri="{FF2B5EF4-FFF2-40B4-BE49-F238E27FC236}">
-                <a16:creationId xmlns:a16="http://schemas.microsoft.com/office/drawing/2014/main" id="{A7E1EC03-6213-8EBE-81B2-A7EA6C789B30}"/>
+                <a16:creationId xmlns:a16="http://schemas.microsoft.com/office/drawing/2014/main" id="{EDE204AA-8346-A99E-44CD-A64CCEA057B9}"/>
               </a:ext>
             </a:extLst>
           </p:cNvPr>
@@ -7226,7 +7599,7 @@
         <p:spPr>
           <a:xfrm>
             <a:off x="581192" y="702156"/>
-            <a:ext cx="11029616" cy="632867"/>
+            <a:ext cx="11029616" cy="532284"/>
           </a:xfrm>
         </p:spPr>
         <p:txBody>
@@ -7235,67 +7608,27 @@
           <a:p>
             <a:r>
               <a:rPr lang="en-US" altLang="zh-CN" dirty="0"/>
-              <a:t>Connection to </a:t>
-            </a:r>
-            <a:r>
-              <a:rPr lang="en-US" altLang="zh-CN" dirty="0" err="1"/>
-              <a:t>pg_tileserv</a:t>
+              <a:t>Web serve</a:t>
             </a:r>
             <a:endParaRPr lang="zh-CN" altLang="en-US" dirty="0"/>
           </a:p>
         </p:txBody>
       </p:sp>
-      <p:sp>
-        <p:nvSpPr>
-          <p:cNvPr id="3" name="Content Placeholder 2">
+      <p:pic>
+        <p:nvPicPr>
+          <p:cNvPr id="5" name="Content Placeholder 4">
             <a:extLst>
               <a:ext uri="{FF2B5EF4-FFF2-40B4-BE49-F238E27FC236}">
-                <a16:creationId xmlns:a16="http://schemas.microsoft.com/office/drawing/2014/main" id="{423EEC00-A091-C8F1-A65D-AF4D262A5A9D}"/>
-              </a:ext>
-            </a:extLst>
-          </p:cNvPr>
-          <p:cNvSpPr>
-            <a:spLocks noGrp="1"/>
-          </p:cNvSpPr>
-          <p:nvPr>
-            <p:ph idx="1"/>
-          </p:nvPr>
-        </p:nvSpPr>
-        <p:spPr>
-          <a:xfrm>
-            <a:off x="581193" y="1545336"/>
-            <a:ext cx="11029615" cy="566928"/>
-          </a:xfrm>
-        </p:spPr>
-        <p:txBody>
-          <a:bodyPr/>
-          <a:lstStyle/>
-          <a:p>
-            <a:r>
-              <a:rPr lang="en-US" altLang="zh-CN" dirty="0">
-                <a:solidFill>
-                  <a:schemeClr val="tx1"/>
-                </a:solidFill>
-              </a:rPr>
-              <a:t>Change working directory to the file that include pg_tileserv.exe</a:t>
-            </a:r>
-            <a:endParaRPr lang="zh-CN" altLang="en-US" dirty="0"/>
-          </a:p>
-        </p:txBody>
-      </p:sp>
-      <p:pic>
-        <p:nvPicPr>
-          <p:cNvPr id="5" name="Picture 4">
-            <a:extLst>
-              <a:ext uri="{FF2B5EF4-FFF2-40B4-BE49-F238E27FC236}">
-                <a16:creationId xmlns:a16="http://schemas.microsoft.com/office/drawing/2014/main" id="{75DC3769-B002-A159-EB15-FD6191ACC4C1}"/>
+                <a16:creationId xmlns:a16="http://schemas.microsoft.com/office/drawing/2014/main" id="{A7437865-7672-3508-14C6-72BFA0D3B680}"/>
               </a:ext>
             </a:extLst>
           </p:cNvPr>
           <p:cNvPicPr>
-            <a:picLocks noChangeAspect="1"/>
+            <a:picLocks noGrp="1" noChangeAspect="1"/>
           </p:cNvPicPr>
-          <p:nvPr/>
+          <p:nvPr>
+            <p:ph idx="1"/>
+          </p:nvPr>
         </p:nvPicPr>
         <p:blipFill>
           <a:blip r:embed="rId2"/>
@@ -7305,12 +7638,9 @@
         </p:blipFill>
         <p:spPr>
           <a:xfrm>
-            <a:off x="4305300" y="2322577"/>
-            <a:ext cx="3581400" cy="762000"/>
-          </a:xfrm>
-          <a:prstGeom prst="rect">
-            <a:avLst/>
-          </a:prstGeom>
+            <a:off x="580858" y="1234440"/>
+            <a:ext cx="11029950" cy="2987837"/>
+          </a:xfrm>
         </p:spPr>
       </p:pic>
       <p:sp>
@@ -7318,7 +7648,7 @@
           <p:cNvPr id="7" name="TextBox 6">
             <a:extLst>
               <a:ext uri="{FF2B5EF4-FFF2-40B4-BE49-F238E27FC236}">
-                <a16:creationId xmlns:a16="http://schemas.microsoft.com/office/drawing/2014/main" id="{E538547C-6833-A162-435C-2F70B2EEED22}"/>
+                <a16:creationId xmlns:a16="http://schemas.microsoft.com/office/drawing/2014/main" id="{3FD7AB1B-03E5-8390-B93C-940B50753011}"/>
               </a:ext>
             </a:extLst>
           </p:cNvPr>
@@ -7327,8 +7657,8 @@
         </p:nvSpPr>
         <p:spPr>
           <a:xfrm>
-            <a:off x="581192" y="3517128"/>
-            <a:ext cx="10757368" cy="1000274"/>
+            <a:off x="516850" y="4431395"/>
+            <a:ext cx="6094476" cy="723275"/>
           </a:xfrm>
           <a:prstGeom prst="rect">
             <a:avLst/>
@@ -7357,69 +7687,16 @@
             </a:pPr>
             <a:r>
               <a:rPr lang="en-US" altLang="zh-CN" dirty="0"/>
-              <a:t>Make a connection between </a:t>
-            </a:r>
-            <a:r>
-              <a:rPr lang="en-US" altLang="zh-CN" dirty="0" err="1"/>
-              <a:t>PostGIS</a:t>
-            </a:r>
-            <a:r>
-              <a:rPr lang="en-US" altLang="zh-CN" dirty="0"/>
-              <a:t> and </a:t>
-            </a:r>
-            <a:r>
-              <a:rPr lang="en-US" altLang="zh-CN" dirty="0" err="1"/>
-              <a:t>pg_tileserv</a:t>
-            </a:r>
-            <a:endParaRPr lang="en-US" altLang="zh-CN" dirty="0"/>
-          </a:p>
-          <a:p>
-            <a:pPr lvl="1"/>
-            <a:endParaRPr lang="en-US" altLang="zh-CN" dirty="0">
-              <a:solidFill>
-                <a:schemeClr val="tx1"/>
-              </a:solidFill>
-            </a:endParaRPr>
+              <a:t>Host boroughs table (shapefile) in ch11 online</a:t>
+            </a:r>
           </a:p>
           <a:p>
             <a:pPr marL="0" indent="0">
               <a:buNone/>
             </a:pPr>
             <a:r>
-              <a:rPr lang="da-DK" altLang="zh-CN" dirty="0">
-                <a:solidFill>
-                  <a:srgbClr val="00B0F0"/>
-                </a:solidFill>
-              </a:rPr>
-              <a:t>set DATABASE_URL=postgres://</a:t>
-            </a:r>
-            <a:r>
-              <a:rPr lang="da-DK" altLang="zh-CN" b="1" i="1" dirty="0">
-                <a:solidFill>
-                  <a:srgbClr val="C00000"/>
-                </a:solidFill>
-              </a:rPr>
-              <a:t>username:password</a:t>
-            </a:r>
-            <a:r>
-              <a:rPr lang="da-DK" altLang="zh-CN" dirty="0">
-                <a:solidFill>
-                  <a:srgbClr val="00B0F0"/>
-                </a:solidFill>
-              </a:rPr>
-              <a:t>@localhost:5432/</a:t>
-            </a:r>
-            <a:r>
-              <a:rPr lang="da-DK" altLang="zh-CN" b="1" i="1" dirty="0">
-                <a:solidFill>
-                  <a:srgbClr val="C00000"/>
-                </a:solidFill>
-              </a:rPr>
-              <a:t>spatial </a:t>
-            </a:r>
-            <a:r>
-              <a:rPr lang="da-DK" altLang="zh-CN" dirty="0"/>
-              <a:t>(spatial is the name of database)</a:t>
+              <a:rPr lang="en-US" altLang="zh-CN" dirty="0"/>
+              <a:t>http://localhost:7800/ch11.boroughs.html</a:t>
             </a:r>
           </a:p>
         </p:txBody>
@@ -7427,7 +7704,7 @@
     </p:spTree>
     <p:extLst>
       <p:ext uri="{BB962C8B-B14F-4D97-AF65-F5344CB8AC3E}">
-        <p14:creationId xmlns:p14="http://schemas.microsoft.com/office/powerpoint/2010/main" val="169781092"/>
+        <p14:creationId xmlns:p14="http://schemas.microsoft.com/office/powerpoint/2010/main" val="3728428466"/>
       </p:ext>
     </p:extLst>
   </p:cSld>

--- a/docs/Lectures/Week14/Week14.pptx
+++ b/docs/Lectures/Week14/Week14.pptx
@@ -5075,8 +5075,8 @@
         </p:nvSpPr>
         <p:spPr bwMode="auto">
           <a:xfrm>
-            <a:off x="581192" y="1445364"/>
-            <a:ext cx="10839664" cy="1895904"/>
+            <a:off x="581192" y="1606453"/>
+            <a:ext cx="10839664" cy="2305246"/>
           </a:xfrm>
           <a:prstGeom prst="rect">
             <a:avLst/>
@@ -5213,6 +5213,17 @@
                 </a:solidFill>
               </a:rPr>
               <a:t>Get HTML template</a:t>
+            </a:r>
+          </a:p>
+          <a:p>
+            <a:pPr lvl="1" fontAlgn="base"/>
+            <a:r>
+              <a:rPr lang="en-US" altLang="zh-CN" dirty="0">
+                <a:solidFill>
+                  <a:schemeClr val="tx1"/>
+                </a:solidFill>
+              </a:rPr>
+              <a:t>https://github.com/gisynw/ssj-376/blob/main/docs/Lectures/Week14/dynamics.html</a:t>
             </a:r>
             <a:endParaRPr lang="zh-CN" altLang="zh-CN" dirty="0">
               <a:solidFill>
